--- a/Group3_NaiveBayes_Presentation.pptx
+++ b/Group3_NaiveBayes_Presentation.pptx
@@ -126,6 +126,11 @@
       </a:defRPr>
     </a:lvl9pPr>
   </p:defaultTextStyle>
+  <p:extLst>
+    <p:ext uri="{EFAFB233-063F-42B5-8137-9DF3F51BA10A}">
+      <p15:sldGuideLst xmlns:p15="http://schemas.microsoft.com/office/powerpoint/2012/main"/>
+    </p:ext>
+  </p:extLst>
 </p:presentation>
 </file>
 
@@ -133,6 +138,7 @@
 <p1510:revInfo xmlns:a="http://schemas.openxmlformats.org/drawingml/2006/main" xmlns:r="http://schemas.openxmlformats.org/officeDocument/2006/relationships" xmlns:p1510="http://schemas.microsoft.com/office/powerpoint/2015/10/main">
   <p1510:revLst>
     <p1510:client id="{25BB999C-0923-4579-8578-5E104E7D092E}" v="3" dt="2025-11-11T18:50:17.084"/>
+    <p1510:client id="{B2B57982-39FD-BD4E-D0B7-E129EF018F2C}" v="13" dt="2025-11-12T00:47:11.331"/>
   </p1510:revLst>
 </p1510:revInfo>
 </file>
@@ -7764,33 +7770,40 @@
             </a:r>
           </a:p>
           <a:p>
+            <a:pPr lvl="1">
+              <a:buFont typeface="Courier New"/>
+              <a:buChar char="o"/>
+            </a:pPr>
             <a:r>
               <a:rPr lang="en-US" dirty="0"/>
-              <a:t> datasets are small </a:t>
-            </a:r>
-          </a:p>
-          <a:p>
+              <a:t>datasets are small </a:t>
+            </a:r>
+          </a:p>
+          <a:p>
+            <a:pPr lvl="1">
+              <a:buFont typeface="Courier New"/>
+              <a:buChar char="o"/>
+            </a:pPr>
             <a:r>
               <a:rPr lang="en-US" dirty="0"/>
               <a:t> predictions need to be extremely fast </a:t>
             </a:r>
           </a:p>
           <a:p>
+            <a:pPr lvl="1">
+              <a:buFont typeface="Courier New"/>
+              <a:buChar char="o"/>
+            </a:pPr>
             <a:r>
               <a:rPr lang="en-US" dirty="0"/>
-              <a:t> interpretability is important </a:t>
+              <a:t>interpretability is important </a:t>
             </a:r>
           </a:p>
           <a:p>
             <a:r>
               <a:rPr lang="en-US" dirty="0"/>
-              <a:t> categorical features dominate This simplicity is a superpower.             Many modern machine learning systems start with Naive Bayes as a benchmark — proving that sometimes the most “naive” idea is actually the smartest one in the </a:t>
-            </a:r>
-            <a:r>
-              <a:rPr lang="en-US" dirty="0" err="1"/>
-              <a:t>ro</a:t>
-            </a:r>
-            <a:endParaRPr lang="en-US" dirty="0"/>
+              <a:t>This simplicity is a superpower.             Many modern machine learning systems start with Naive Bayes as a benchmark — proving that sometimes the most “naive” idea is actually the smartest one in the room</a:t>
+            </a:r>
           </a:p>
         </p:txBody>
       </p:sp>
